--- a/Fase2/Evidencias_Grupales/Fase 2 08-11.pptx
+++ b/Fase2/Evidencias_Grupales/Fase 2 08-11.pptx
@@ -4859,7 +4859,7 @@
           <a:p>
             <a:fld id="{13327F25-93A5-437A-AB88-C82C3547ECF9}" type="datetimeFigureOut">
               <a:rPr lang="en-US" smtClean="0"/>
-              <a:t>11/7/2025</a:t>
+              <a:t>11/8/2025</a:t>
             </a:fld>
             <a:endParaRPr lang="en-US"/>
           </a:p>
@@ -5357,7 +5357,7 @@
           <a:p>
             <a:fld id="{2695A633-34A6-4BA6-9654-F1B0B78D7300}" type="datetimeFigureOut">
               <a:rPr lang="en-US" smtClean="0"/>
-              <a:t>11/7/2025</a:t>
+              <a:t>11/8/2025</a:t>
             </a:fld>
             <a:endParaRPr lang="en-US"/>
           </a:p>
@@ -5555,7 +5555,7 @@
           <a:p>
             <a:fld id="{2695A633-34A6-4BA6-9654-F1B0B78D7300}" type="datetimeFigureOut">
               <a:rPr lang="en-US" smtClean="0"/>
-              <a:t>11/7/2025</a:t>
+              <a:t>11/8/2025</a:t>
             </a:fld>
             <a:endParaRPr lang="en-US"/>
           </a:p>
@@ -5763,7 +5763,7 @@
           <a:p>
             <a:fld id="{2695A633-34A6-4BA6-9654-F1B0B78D7300}" type="datetimeFigureOut">
               <a:rPr lang="en-US" smtClean="0"/>
-              <a:t>11/7/2025</a:t>
+              <a:t>11/8/2025</a:t>
             </a:fld>
             <a:endParaRPr lang="en-US"/>
           </a:p>
@@ -5961,7 +5961,7 @@
           <a:p>
             <a:fld id="{2695A633-34A6-4BA6-9654-F1B0B78D7300}" type="datetimeFigureOut">
               <a:rPr lang="en-US" smtClean="0"/>
-              <a:t>11/7/2025</a:t>
+              <a:t>11/8/2025</a:t>
             </a:fld>
             <a:endParaRPr lang="en-US"/>
           </a:p>
@@ -6236,7 +6236,7 @@
           <a:p>
             <a:fld id="{2695A633-34A6-4BA6-9654-F1B0B78D7300}" type="datetimeFigureOut">
               <a:rPr lang="en-US" smtClean="0"/>
-              <a:t>11/7/2025</a:t>
+              <a:t>11/8/2025</a:t>
             </a:fld>
             <a:endParaRPr lang="en-US"/>
           </a:p>
@@ -6501,7 +6501,7 @@
           <a:p>
             <a:fld id="{2695A633-34A6-4BA6-9654-F1B0B78D7300}" type="datetimeFigureOut">
               <a:rPr lang="en-US" smtClean="0"/>
-              <a:t>11/7/2025</a:t>
+              <a:t>11/8/2025</a:t>
             </a:fld>
             <a:endParaRPr lang="en-US"/>
           </a:p>
@@ -6913,7 +6913,7 @@
           <a:p>
             <a:fld id="{2695A633-34A6-4BA6-9654-F1B0B78D7300}" type="datetimeFigureOut">
               <a:rPr lang="en-US" smtClean="0"/>
-              <a:t>11/7/2025</a:t>
+              <a:t>11/8/2025</a:t>
             </a:fld>
             <a:endParaRPr lang="en-US"/>
           </a:p>
@@ -7054,7 +7054,7 @@
           <a:p>
             <a:fld id="{2695A633-34A6-4BA6-9654-F1B0B78D7300}" type="datetimeFigureOut">
               <a:rPr lang="en-US" smtClean="0"/>
-              <a:t>11/7/2025</a:t>
+              <a:t>11/8/2025</a:t>
             </a:fld>
             <a:endParaRPr lang="en-US"/>
           </a:p>
@@ -7167,7 +7167,7 @@
           <a:p>
             <a:fld id="{2695A633-34A6-4BA6-9654-F1B0B78D7300}" type="datetimeFigureOut">
               <a:rPr lang="en-US" smtClean="0"/>
-              <a:t>11/7/2025</a:t>
+              <a:t>11/8/2025</a:t>
             </a:fld>
             <a:endParaRPr lang="en-US"/>
           </a:p>
@@ -7478,7 +7478,7 @@
           <a:p>
             <a:fld id="{2695A633-34A6-4BA6-9654-F1B0B78D7300}" type="datetimeFigureOut">
               <a:rPr lang="en-US" smtClean="0"/>
-              <a:t>11/7/2025</a:t>
+              <a:t>11/8/2025</a:t>
             </a:fld>
             <a:endParaRPr lang="en-US"/>
           </a:p>
@@ -7766,7 +7766,7 @@
           <a:p>
             <a:fld id="{2695A633-34A6-4BA6-9654-F1B0B78D7300}" type="datetimeFigureOut">
               <a:rPr lang="en-US" smtClean="0"/>
-              <a:t>11/7/2025</a:t>
+              <a:t>11/8/2025</a:t>
             </a:fld>
             <a:endParaRPr lang="en-US"/>
           </a:p>
@@ -8007,7 +8007,7 @@
           <a:p>
             <a:fld id="{2695A633-34A6-4BA6-9654-F1B0B78D7300}" type="datetimeFigureOut">
               <a:rPr lang="en-US" smtClean="0"/>
-              <a:t>11/7/2025</a:t>
+              <a:t>11/8/2025</a:t>
             </a:fld>
             <a:endParaRPr lang="en-US"/>
           </a:p>
@@ -12875,14 +12875,135 @@
         </p:nvPicPr>
         <p:blipFill>
           <a:blip r:embed="rId3"/>
+          <a:srcRect l="36118" t="26276" r="35379" b="21710"/>
           <a:stretch>
             <a:fillRect/>
           </a:stretch>
         </p:blipFill>
         <p:spPr>
           <a:xfrm>
-            <a:off x="317424" y="921057"/>
-            <a:ext cx="5213044" cy="2838429"/>
+            <a:off x="466724" y="883301"/>
+            <a:ext cx="2067973" cy="2054715"/>
+          </a:xfrm>
+          <a:prstGeom prst="rect">
+            <a:avLst/>
+          </a:prstGeom>
+        </p:spPr>
+      </p:pic>
+      <p:pic>
+        <p:nvPicPr>
+          <p:cNvPr id="3" name="Picture 2">
+            <a:extLst>
+              <a:ext uri="{FF2B5EF4-FFF2-40B4-BE49-F238E27FC236}">
+                <a16:creationId xmlns:a16="http://schemas.microsoft.com/office/drawing/2014/main" id="{E38447D4-5780-FC83-24EF-5F8ADE1C9E87}"/>
+              </a:ext>
+            </a:extLst>
+          </p:cNvPr>
+          <p:cNvPicPr>
+            <a:picLocks noChangeAspect="1"/>
+          </p:cNvPicPr>
+          <p:nvPr/>
+        </p:nvPicPr>
+        <p:blipFill>
+          <a:blip r:embed="rId4"/>
+          <a:stretch>
+            <a:fillRect/>
+          </a:stretch>
+        </p:blipFill>
+        <p:spPr>
+          <a:xfrm>
+            <a:off x="466724" y="3294800"/>
+            <a:ext cx="6819900" cy="3404405"/>
+          </a:xfrm>
+          <a:prstGeom prst="rect">
+            <a:avLst/>
+          </a:prstGeom>
+        </p:spPr>
+      </p:pic>
+      <p:pic>
+        <p:nvPicPr>
+          <p:cNvPr id="5" name="Picture 4">
+            <a:extLst>
+              <a:ext uri="{FF2B5EF4-FFF2-40B4-BE49-F238E27FC236}">
+                <a16:creationId xmlns:a16="http://schemas.microsoft.com/office/drawing/2014/main" id="{9A03DF85-77DE-F28E-D05B-03FEFAB86391}"/>
+              </a:ext>
+            </a:extLst>
+          </p:cNvPr>
+          <p:cNvPicPr>
+            <a:picLocks noChangeAspect="1"/>
+          </p:cNvPicPr>
+          <p:nvPr/>
+        </p:nvPicPr>
+        <p:blipFill>
+          <a:blip r:embed="rId5"/>
+          <a:stretch>
+            <a:fillRect/>
+          </a:stretch>
+        </p:blipFill>
+        <p:spPr>
+          <a:xfrm>
+            <a:off x="7610475" y="3294800"/>
+            <a:ext cx="3937585" cy="3371904"/>
+          </a:xfrm>
+          <a:prstGeom prst="rect">
+            <a:avLst/>
+          </a:prstGeom>
+        </p:spPr>
+      </p:pic>
+      <p:pic>
+        <p:nvPicPr>
+          <p:cNvPr id="7" name="Picture 6">
+            <a:extLst>
+              <a:ext uri="{FF2B5EF4-FFF2-40B4-BE49-F238E27FC236}">
+                <a16:creationId xmlns:a16="http://schemas.microsoft.com/office/drawing/2014/main" id="{E7350A0F-9900-CAD5-1535-852E9A6CAAD1}"/>
+              </a:ext>
+            </a:extLst>
+          </p:cNvPr>
+          <p:cNvPicPr>
+            <a:picLocks noChangeAspect="1"/>
+          </p:cNvPicPr>
+          <p:nvPr/>
+        </p:nvPicPr>
+        <p:blipFill>
+          <a:blip r:embed="rId6"/>
+          <a:stretch>
+            <a:fillRect/>
+          </a:stretch>
+        </p:blipFill>
+        <p:spPr>
+          <a:xfrm>
+            <a:off x="7700593" y="881266"/>
+            <a:ext cx="3847466" cy="2052434"/>
+          </a:xfrm>
+          <a:prstGeom prst="rect">
+            <a:avLst/>
+          </a:prstGeom>
+        </p:spPr>
+      </p:pic>
+      <p:pic>
+        <p:nvPicPr>
+          <p:cNvPr id="9" name="Picture 8">
+            <a:extLst>
+              <a:ext uri="{FF2B5EF4-FFF2-40B4-BE49-F238E27FC236}">
+                <a16:creationId xmlns:a16="http://schemas.microsoft.com/office/drawing/2014/main" id="{BC6930D4-EE4A-1DA6-A18C-B5BAF4D52761}"/>
+              </a:ext>
+            </a:extLst>
+          </p:cNvPr>
+          <p:cNvPicPr>
+            <a:picLocks noChangeAspect="1"/>
+          </p:cNvPicPr>
+          <p:nvPr/>
+        </p:nvPicPr>
+        <p:blipFill>
+          <a:blip r:embed="rId7"/>
+          <a:stretch>
+            <a:fillRect/>
+          </a:stretch>
+        </p:blipFill>
+        <p:spPr>
+          <a:xfrm>
+            <a:off x="4203966" y="883301"/>
+            <a:ext cx="2046362" cy="2054715"/>
           </a:xfrm>
           <a:prstGeom prst="rect">
             <a:avLst/>
